--- a/Presentation-pl.pptx
+++ b/Presentation-pl.pptx
@@ -262,7 +262,7 @@
           <a:p>
             <a:fld id="{7E1B49A8-1E1A-40FB-8547-BE9C7699AA70}" type="datetimeFigureOut">
               <a:rPr lang="en-US" smtClean="0"/>
-              <a:t>8/20/2019</a:t>
+              <a:t>8/21/2019</a:t>
             </a:fld>
             <a:endParaRPr lang="en-US"/>
           </a:p>
@@ -432,7 +432,7 @@
           <a:p>
             <a:fld id="{7E1B49A8-1E1A-40FB-8547-BE9C7699AA70}" type="datetimeFigureOut">
               <a:rPr lang="en-US" smtClean="0"/>
-              <a:t>8/20/2019</a:t>
+              <a:t>8/21/2019</a:t>
             </a:fld>
             <a:endParaRPr lang="en-US"/>
           </a:p>
@@ -612,7 +612,7 @@
           <a:p>
             <a:fld id="{7E1B49A8-1E1A-40FB-8547-BE9C7699AA70}" type="datetimeFigureOut">
               <a:rPr lang="en-US" smtClean="0"/>
-              <a:t>8/20/2019</a:t>
+              <a:t>8/21/2019</a:t>
             </a:fld>
             <a:endParaRPr lang="en-US"/>
           </a:p>
@@ -782,7 +782,7 @@
           <a:p>
             <a:fld id="{7E1B49A8-1E1A-40FB-8547-BE9C7699AA70}" type="datetimeFigureOut">
               <a:rPr lang="en-US" smtClean="0"/>
-              <a:t>8/20/2019</a:t>
+              <a:t>8/21/2019</a:t>
             </a:fld>
             <a:endParaRPr lang="en-US"/>
           </a:p>
@@ -1028,7 +1028,7 @@
           <a:p>
             <a:fld id="{7E1B49A8-1E1A-40FB-8547-BE9C7699AA70}" type="datetimeFigureOut">
               <a:rPr lang="en-US" smtClean="0"/>
-              <a:t>8/20/2019</a:t>
+              <a:t>8/21/2019</a:t>
             </a:fld>
             <a:endParaRPr lang="en-US"/>
           </a:p>
@@ -1260,7 +1260,7 @@
           <a:p>
             <a:fld id="{7E1B49A8-1E1A-40FB-8547-BE9C7699AA70}" type="datetimeFigureOut">
               <a:rPr lang="en-US" smtClean="0"/>
-              <a:t>8/20/2019</a:t>
+              <a:t>8/21/2019</a:t>
             </a:fld>
             <a:endParaRPr lang="en-US"/>
           </a:p>
@@ -1627,7 +1627,7 @@
           <a:p>
             <a:fld id="{7E1B49A8-1E1A-40FB-8547-BE9C7699AA70}" type="datetimeFigureOut">
               <a:rPr lang="en-US" smtClean="0"/>
-              <a:t>8/20/2019</a:t>
+              <a:t>8/21/2019</a:t>
             </a:fld>
             <a:endParaRPr lang="en-US"/>
           </a:p>
@@ -1745,7 +1745,7 @@
           <a:p>
             <a:fld id="{7E1B49A8-1E1A-40FB-8547-BE9C7699AA70}" type="datetimeFigureOut">
               <a:rPr lang="en-US" smtClean="0"/>
-              <a:t>8/20/2019</a:t>
+              <a:t>8/21/2019</a:t>
             </a:fld>
             <a:endParaRPr lang="en-US"/>
           </a:p>
@@ -1840,7 +1840,7 @@
           <a:p>
             <a:fld id="{7E1B49A8-1E1A-40FB-8547-BE9C7699AA70}" type="datetimeFigureOut">
               <a:rPr lang="en-US" smtClean="0"/>
-              <a:t>8/20/2019</a:t>
+              <a:t>8/21/2019</a:t>
             </a:fld>
             <a:endParaRPr lang="en-US"/>
           </a:p>
@@ -2117,7 +2117,7 @@
           <a:p>
             <a:fld id="{7E1B49A8-1E1A-40FB-8547-BE9C7699AA70}" type="datetimeFigureOut">
               <a:rPr lang="en-US" smtClean="0"/>
-              <a:t>8/20/2019</a:t>
+              <a:t>8/21/2019</a:t>
             </a:fld>
             <a:endParaRPr lang="en-US"/>
           </a:p>
@@ -2370,7 +2370,7 @@
           <a:p>
             <a:fld id="{7E1B49A8-1E1A-40FB-8547-BE9C7699AA70}" type="datetimeFigureOut">
               <a:rPr lang="en-US" smtClean="0"/>
-              <a:t>8/20/2019</a:t>
+              <a:t>8/21/2019</a:t>
             </a:fld>
             <a:endParaRPr lang="en-US"/>
           </a:p>
@@ -2583,7 +2583,7 @@
           <a:p>
             <a:fld id="{7E1B49A8-1E1A-40FB-8547-BE9C7699AA70}" type="datetimeFigureOut">
               <a:rPr lang="en-US" smtClean="0"/>
-              <a:t>8/20/2019</a:t>
+              <a:t>8/21/2019</a:t>
             </a:fld>
             <a:endParaRPr lang="en-US"/>
           </a:p>
@@ -3547,11 +3547,7 @@
           <a:p>
             <a:r>
               <a:rPr lang="pl-PL" dirty="0" smtClean="0"/>
-              <a:t>W </a:t>
-            </a:r>
-            <a:r>
-              <a:rPr lang="pl-PL" dirty="0" smtClean="0"/>
-              <a:t>obrębie jednego serwisu komunikacja dowolna</a:t>
+              <a:t>W obrębie jednego serwisu komunikacja dowolna</a:t>
             </a:r>
           </a:p>
           <a:p>
@@ -3614,11 +3610,7 @@
             </a:r>
             <a:r>
               <a:rPr lang="pl-PL" dirty="0" smtClean="0"/>
-              <a:t>– </a:t>
-            </a:r>
-            <a:r>
-              <a:rPr lang="pl-PL" dirty="0" smtClean="0"/>
-              <a:t>np. pubsub.js / rx.js / </a:t>
+              <a:t>– np. pubsub.js / rx.js / </a:t>
             </a:r>
             <a:r>
               <a:rPr lang="pl-PL" dirty="0" err="1" smtClean="0"/>
@@ -5597,17 +5589,74 @@
           </a:p>
           <a:p>
             <a:r>
-              <a:rPr lang="pl-PL" dirty="0" smtClean="0"/>
-              <a:t>UX decyduje czy dwa komponenty są identyczne</a:t>
-            </a:r>
-          </a:p>
-          <a:p>
+              <a:rPr lang="en-US" dirty="0" err="1" smtClean="0"/>
+              <a:t>Podział</a:t>
+            </a:r>
+            <a:r>
+              <a:rPr lang="en-US" dirty="0" smtClean="0"/>
+              <a:t> </a:t>
+            </a:r>
+            <a:r>
+              <a:rPr lang="en-US" dirty="0" err="1" smtClean="0"/>
+              <a:t>na</a:t>
+            </a:r>
+            <a:r>
+              <a:rPr lang="en-US" dirty="0" smtClean="0"/>
+              <a:t> </a:t>
+            </a:r>
+            <a:r>
+              <a:rPr lang="en-US" dirty="0" err="1" smtClean="0"/>
+              <a:t>jak</a:t>
+            </a:r>
+            <a:r>
+              <a:rPr lang="en-US" dirty="0" smtClean="0"/>
+              <a:t> </a:t>
+            </a:r>
+            <a:r>
+              <a:rPr lang="en-US" dirty="0" err="1" smtClean="0"/>
+              <a:t>największe</a:t>
+            </a:r>
+            <a:r>
+              <a:rPr lang="en-US" dirty="0" smtClean="0"/>
+              <a:t> </a:t>
+            </a:r>
+            <a:r>
+              <a:rPr lang="en-US" dirty="0" err="1" smtClean="0"/>
+              <a:t>komponenty</a:t>
+            </a:r>
             <a:endParaRPr lang="pl-PL" dirty="0" smtClean="0"/>
           </a:p>
           <a:p>
-            <a:r>
-              <a:rPr lang="pl-PL" dirty="0" smtClean="0"/>
-              <a:t>Serwisy decydują czy jeden komponent jest użyty w wielu miejscach</a:t>
+            <a:endParaRPr lang="pl-PL" dirty="0" smtClean="0"/>
+          </a:p>
+          <a:p>
+            <a:r>
+              <a:rPr lang="en-US" dirty="0" err="1" smtClean="0"/>
+              <a:t>Wydzielone</a:t>
+            </a:r>
+            <a:r>
+              <a:rPr lang="en-US" dirty="0" smtClean="0"/>
+              <a:t> </a:t>
+            </a:r>
+            <a:r>
+              <a:rPr lang="en-US" dirty="0" err="1" smtClean="0"/>
+              <a:t>komponenty</a:t>
+            </a:r>
+            <a:r>
+              <a:rPr lang="en-US" dirty="0" smtClean="0"/>
+              <a:t> </a:t>
+            </a:r>
+            <a:r>
+              <a:rPr lang="en-US" dirty="0" err="1" smtClean="0"/>
+              <a:t>tworzą</a:t>
+            </a:r>
+            <a:r>
+              <a:rPr lang="en-US" dirty="0" smtClean="0"/>
+              <a:t> </a:t>
+            </a:r>
+            <a:r>
+              <a:rPr lang="en-US" smtClean="0"/>
+              <a:t>kontrakty</a:t>
             </a:r>
             <a:endParaRPr lang="pl-PL" dirty="0"/>
           </a:p>
